--- a/Day1/Guide/Javascript-Hints.pptx
+++ b/Day1/Guide/Javascript-Hints.pptx
@@ -108,6 +108,11 @@
       </a:defRPr>
     </a:lvl9pPr>
   </p:defaultTextStyle>
+  <p:extLst>
+    <p:ext uri="{EFAFB233-063F-42B5-8137-9DF3F51BA10A}">
+      <p15:sldGuideLst xmlns:p15="http://schemas.microsoft.com/office/powerpoint/2012/main"/>
+    </p:ext>
+  </p:extLst>
 </p:presentation>
 </file>
 
@@ -242,7 +247,7 @@
           <a:p>
             <a:fld id="{72513992-0DF4-4F78-8586-71447206E311}" type="datetimeFigureOut">
               <a:rPr lang="fr-FR" smtClean="0"/>
-              <a:t>19/04/2020</a:t>
+              <a:t>20/04/2020</a:t>
             </a:fld>
             <a:endParaRPr lang="fr-FR"/>
           </a:p>
@@ -412,7 +417,7 @@
           <a:p>
             <a:fld id="{72513992-0DF4-4F78-8586-71447206E311}" type="datetimeFigureOut">
               <a:rPr lang="fr-FR" smtClean="0"/>
-              <a:t>19/04/2020</a:t>
+              <a:t>20/04/2020</a:t>
             </a:fld>
             <a:endParaRPr lang="fr-FR"/>
           </a:p>
@@ -592,7 +597,7 @@
           <a:p>
             <a:fld id="{72513992-0DF4-4F78-8586-71447206E311}" type="datetimeFigureOut">
               <a:rPr lang="fr-FR" smtClean="0"/>
-              <a:t>19/04/2020</a:t>
+              <a:t>20/04/2020</a:t>
             </a:fld>
             <a:endParaRPr lang="fr-FR"/>
           </a:p>
@@ -762,7 +767,7 @@
           <a:p>
             <a:fld id="{72513992-0DF4-4F78-8586-71447206E311}" type="datetimeFigureOut">
               <a:rPr lang="fr-FR" smtClean="0"/>
-              <a:t>19/04/2020</a:t>
+              <a:t>20/04/2020</a:t>
             </a:fld>
             <a:endParaRPr lang="fr-FR"/>
           </a:p>
@@ -1008,7 +1013,7 @@
           <a:p>
             <a:fld id="{72513992-0DF4-4F78-8586-71447206E311}" type="datetimeFigureOut">
               <a:rPr lang="fr-FR" smtClean="0"/>
-              <a:t>19/04/2020</a:t>
+              <a:t>20/04/2020</a:t>
             </a:fld>
             <a:endParaRPr lang="fr-FR"/>
           </a:p>
@@ -1240,7 +1245,7 @@
           <a:p>
             <a:fld id="{72513992-0DF4-4F78-8586-71447206E311}" type="datetimeFigureOut">
               <a:rPr lang="fr-FR" smtClean="0"/>
-              <a:t>19/04/2020</a:t>
+              <a:t>20/04/2020</a:t>
             </a:fld>
             <a:endParaRPr lang="fr-FR"/>
           </a:p>
@@ -1607,7 +1612,7 @@
           <a:p>
             <a:fld id="{72513992-0DF4-4F78-8586-71447206E311}" type="datetimeFigureOut">
               <a:rPr lang="fr-FR" smtClean="0"/>
-              <a:t>19/04/2020</a:t>
+              <a:t>20/04/2020</a:t>
             </a:fld>
             <a:endParaRPr lang="fr-FR"/>
           </a:p>
@@ -1725,7 +1730,7 @@
           <a:p>
             <a:fld id="{72513992-0DF4-4F78-8586-71447206E311}" type="datetimeFigureOut">
               <a:rPr lang="fr-FR" smtClean="0"/>
-              <a:t>19/04/2020</a:t>
+              <a:t>20/04/2020</a:t>
             </a:fld>
             <a:endParaRPr lang="fr-FR"/>
           </a:p>
@@ -1820,7 +1825,7 @@
           <a:p>
             <a:fld id="{72513992-0DF4-4F78-8586-71447206E311}" type="datetimeFigureOut">
               <a:rPr lang="fr-FR" smtClean="0"/>
-              <a:t>19/04/2020</a:t>
+              <a:t>20/04/2020</a:t>
             </a:fld>
             <a:endParaRPr lang="fr-FR"/>
           </a:p>
@@ -2097,7 +2102,7 @@
           <a:p>
             <a:fld id="{72513992-0DF4-4F78-8586-71447206E311}" type="datetimeFigureOut">
               <a:rPr lang="fr-FR" smtClean="0"/>
-              <a:t>19/04/2020</a:t>
+              <a:t>20/04/2020</a:t>
             </a:fld>
             <a:endParaRPr lang="fr-FR"/>
           </a:p>
@@ -2350,7 +2355,7 @@
           <a:p>
             <a:fld id="{72513992-0DF4-4F78-8586-71447206E311}" type="datetimeFigureOut">
               <a:rPr lang="fr-FR" smtClean="0"/>
-              <a:t>19/04/2020</a:t>
+              <a:t>20/04/2020</a:t>
             </a:fld>
             <a:endParaRPr lang="fr-FR"/>
           </a:p>
@@ -2563,7 +2568,7 @@
           <a:p>
             <a:fld id="{72513992-0DF4-4F78-8586-71447206E311}" type="datetimeFigureOut">
               <a:rPr lang="fr-FR" smtClean="0"/>
-              <a:t>19/04/2020</a:t>
+              <a:t>20/04/2020</a:t>
             </a:fld>
             <a:endParaRPr lang="fr-FR"/>
           </a:p>
@@ -3014,7 +3019,7 @@
         </p:spPr>
         <p:txBody>
           <a:bodyPr>
-            <a:normAutofit/>
+            <a:normAutofit lnSpcReduction="10000"/>
           </a:bodyPr>
           <a:lstStyle/>
           <a:p>
@@ -3161,6 +3166,13 @@
               </a:rPr>
               <a:t>language</a:t>
             </a:r>
+            <a:r>
+              <a:rPr lang="fr-FR" sz="1400" dirty="0" smtClean="0">
+                <a:latin typeface="Consolas" panose="020B0609020204030204" pitchFamily="49" charset="0"/>
+                <a:sym typeface="Wingdings" panose="05000000000000000000" pitchFamily="2" charset="2"/>
+              </a:rPr>
+              <a:t>. </a:t>
+            </a:r>
             <a:endParaRPr lang="fr-FR" sz="1400" dirty="0" smtClean="0">
               <a:latin typeface="Consolas" panose="020B0609020204030204" pitchFamily="49" charset="0"/>
               <a:sym typeface="Wingdings" panose="05000000000000000000" pitchFamily="2" charset="2"/>
@@ -3262,6 +3274,37 @@
               </a:rPr>
               <a:t> </a:t>
             </a:r>
+            <a:r>
+              <a:rPr lang="fr-FR" sz="1400" dirty="0" smtClean="0">
+                <a:latin typeface="Consolas" panose="020B0609020204030204" pitchFamily="49" charset="0"/>
+                <a:sym typeface="Wingdings" panose="05000000000000000000" pitchFamily="2" charset="2"/>
+              </a:rPr>
+              <a:t>: en utilisant des </a:t>
+            </a:r>
+            <a:r>
+              <a:rPr lang="fr-FR" sz="1400" dirty="0" err="1" smtClean="0">
+                <a:latin typeface="Consolas" panose="020B0609020204030204" pitchFamily="49" charset="0"/>
+                <a:sym typeface="Wingdings" panose="05000000000000000000" pitchFamily="2" charset="2"/>
+              </a:rPr>
+              <a:t>plugings</a:t>
+            </a:r>
+            <a:r>
+              <a:rPr lang="fr-FR" sz="1400" dirty="0" smtClean="0">
+                <a:latin typeface="Consolas" panose="020B0609020204030204" pitchFamily="49" charset="0"/>
+                <a:sym typeface="Wingdings" panose="05000000000000000000" pitchFamily="2" charset="2"/>
+              </a:rPr>
+              <a:t> :</a:t>
+            </a:r>
+          </a:p>
+          <a:p>
+            <a:pPr>
+              <a:buFont typeface="Wingdings" panose="05000000000000000000" pitchFamily="2" charset="2"/>
+              <a:buChar char="è"/>
+            </a:pPr>
+            <a:endParaRPr lang="fr-FR" sz="1400" dirty="0">
+              <a:latin typeface="Consolas" panose="020B0609020204030204" pitchFamily="49" charset="0"/>
+              <a:sym typeface="Wingdings" panose="05000000000000000000" pitchFamily="2" charset="2"/>
+            </a:endParaRPr>
           </a:p>
           <a:p>
             <a:pPr marL="0" indent="0">
@@ -3575,7 +3618,14 @@
                 <a:latin typeface="Consolas" panose="020B0609020204030204" pitchFamily="49" charset="0"/>
                 <a:sym typeface="Wingdings" panose="05000000000000000000" pitchFamily="2" charset="2"/>
               </a:rPr>
-              <a:t> and </a:t>
+              <a:t> (SPA) </a:t>
+            </a:r>
+            <a:r>
+              <a:rPr lang="fr-FR" sz="1400" dirty="0" smtClean="0">
+                <a:latin typeface="Consolas" panose="020B0609020204030204" pitchFamily="49" charset="0"/>
+                <a:sym typeface="Wingdings" panose="05000000000000000000" pitchFamily="2" charset="2"/>
+              </a:rPr>
+              <a:t>and </a:t>
             </a:r>
             <a:r>
               <a:rPr lang="fr-FR" sz="1400" dirty="0" err="1" smtClean="0">
@@ -3589,8 +3639,158 @@
                 <a:latin typeface="Consolas" panose="020B0609020204030204" pitchFamily="49" charset="0"/>
                 <a:sym typeface="Wingdings" panose="05000000000000000000" pitchFamily="2" charset="2"/>
               </a:rPr>
-              <a:t> for front end Building</a:t>
-            </a:r>
+              <a:t>(SPA </a:t>
+            </a:r>
+            <a:r>
+              <a:rPr lang="fr-FR" sz="1400" dirty="0" err="1" smtClean="0">
+                <a:latin typeface="Consolas" panose="020B0609020204030204" pitchFamily="49" charset="0"/>
+                <a:sym typeface="Wingdings" panose="05000000000000000000" pitchFamily="2" charset="2"/>
+              </a:rPr>
+              <a:t>Modular</a:t>
+            </a:r>
+            <a:r>
+              <a:rPr lang="fr-FR" sz="1400" dirty="0" smtClean="0">
+                <a:latin typeface="Consolas" panose="020B0609020204030204" pitchFamily="49" charset="0"/>
+                <a:sym typeface="Wingdings" panose="05000000000000000000" pitchFamily="2" charset="2"/>
+              </a:rPr>
+              <a:t>) </a:t>
+            </a:r>
+            <a:r>
+              <a:rPr lang="fr-FR" sz="1400" dirty="0" smtClean="0">
+                <a:latin typeface="Consolas" panose="020B0609020204030204" pitchFamily="49" charset="0"/>
+                <a:sym typeface="Wingdings" panose="05000000000000000000" pitchFamily="2" charset="2"/>
+              </a:rPr>
+              <a:t>for front end </a:t>
+            </a:r>
+            <a:r>
+              <a:rPr lang="fr-FR" sz="1400" dirty="0" smtClean="0">
+                <a:latin typeface="Consolas" panose="020B0609020204030204" pitchFamily="49" charset="0"/>
+                <a:sym typeface="Wingdings" panose="05000000000000000000" pitchFamily="2" charset="2"/>
+              </a:rPr>
+              <a:t>Building.</a:t>
+            </a:r>
+          </a:p>
+          <a:p>
+            <a:pPr>
+              <a:buFont typeface="Wingdings" panose="05000000000000000000" pitchFamily="2" charset="2"/>
+              <a:buChar char="è"/>
+            </a:pPr>
+            <a:endParaRPr lang="fr-FR" sz="1400" dirty="0">
+              <a:latin typeface="Consolas" panose="020B0609020204030204" pitchFamily="49" charset="0"/>
+              <a:sym typeface="Wingdings" panose="05000000000000000000" pitchFamily="2" charset="2"/>
+            </a:endParaRPr>
+          </a:p>
+          <a:p>
+            <a:pPr marL="0" indent="0">
+              <a:buNone/>
+            </a:pPr>
+            <a:r>
+              <a:rPr lang="fr-FR" sz="1400" dirty="0" smtClean="0">
+                <a:latin typeface="Consolas" panose="020B0609020204030204" pitchFamily="49" charset="0"/>
+                <a:sym typeface="Wingdings" panose="05000000000000000000" pitchFamily="2" charset="2"/>
+              </a:rPr>
+              <a:t>MERN STACK = &gt; </a:t>
+            </a:r>
+            <a:r>
+              <a:rPr lang="fr-FR" sz="1400" dirty="0" err="1" smtClean="0">
+                <a:latin typeface="Consolas" panose="020B0609020204030204" pitchFamily="49" charset="0"/>
+                <a:sym typeface="Wingdings" panose="05000000000000000000" pitchFamily="2" charset="2"/>
+              </a:rPr>
+              <a:t>MongoDB</a:t>
+            </a:r>
+            <a:r>
+              <a:rPr lang="fr-FR" sz="1400" dirty="0" smtClean="0">
+                <a:latin typeface="Consolas" panose="020B0609020204030204" pitchFamily="49" charset="0"/>
+                <a:sym typeface="Wingdings" panose="05000000000000000000" pitchFamily="2" charset="2"/>
+              </a:rPr>
+              <a:t> : server Base de </a:t>
+            </a:r>
+            <a:r>
+              <a:rPr lang="fr-FR" sz="1400" dirty="0" err="1" smtClean="0">
+                <a:latin typeface="Consolas" panose="020B0609020204030204" pitchFamily="49" charset="0"/>
+                <a:sym typeface="Wingdings" panose="05000000000000000000" pitchFamily="2" charset="2"/>
+              </a:rPr>
+              <a:t>donnee</a:t>
+            </a:r>
+            <a:endParaRPr lang="fr-FR" sz="1400" dirty="0" smtClean="0">
+              <a:latin typeface="Consolas" panose="020B0609020204030204" pitchFamily="49" charset="0"/>
+              <a:sym typeface="Wingdings" panose="05000000000000000000" pitchFamily="2" charset="2"/>
+            </a:endParaRPr>
+          </a:p>
+          <a:p>
+            <a:pPr marL="0" indent="0">
+              <a:buNone/>
+            </a:pPr>
+            <a:r>
+              <a:rPr lang="fr-FR" sz="1400" dirty="0">
+                <a:latin typeface="Consolas" panose="020B0609020204030204" pitchFamily="49" charset="0"/>
+                <a:sym typeface="Wingdings" panose="05000000000000000000" pitchFamily="2" charset="2"/>
+              </a:rPr>
+              <a:t> </a:t>
+            </a:r>
+            <a:r>
+              <a:rPr lang="fr-FR" sz="1400" dirty="0" smtClean="0">
+                <a:latin typeface="Consolas" panose="020B0609020204030204" pitchFamily="49" charset="0"/>
+                <a:sym typeface="Wingdings" panose="05000000000000000000" pitchFamily="2" charset="2"/>
+              </a:rPr>
+              <a:t>E : Expresse.js</a:t>
+            </a:r>
+          </a:p>
+          <a:p>
+            <a:pPr marL="0" indent="0">
+              <a:buNone/>
+            </a:pPr>
+            <a:r>
+              <a:rPr lang="fr-FR" sz="1400" dirty="0" smtClean="0">
+                <a:latin typeface="Consolas" panose="020B0609020204030204" pitchFamily="49" charset="0"/>
+                <a:sym typeface="Wingdings" panose="05000000000000000000" pitchFamily="2" charset="2"/>
+              </a:rPr>
+              <a:t>R : React.js </a:t>
+            </a:r>
+          </a:p>
+          <a:p>
+            <a:pPr marL="0" indent="0">
+              <a:buNone/>
+            </a:pPr>
+            <a:r>
+              <a:rPr lang="fr-FR" sz="1400" dirty="0" smtClean="0">
+                <a:latin typeface="Consolas" panose="020B0609020204030204" pitchFamily="49" charset="0"/>
+                <a:sym typeface="Wingdings" panose="05000000000000000000" pitchFamily="2" charset="2"/>
+              </a:rPr>
+              <a:t>N: node.js </a:t>
+            </a:r>
+            <a:endParaRPr lang="fr-FR" sz="1400" dirty="0" smtClean="0">
+              <a:latin typeface="Consolas" panose="020B0609020204030204" pitchFamily="49" charset="0"/>
+              <a:sym typeface="Wingdings" panose="05000000000000000000" pitchFamily="2" charset="2"/>
+            </a:endParaRPr>
+          </a:p>
+          <a:p>
+            <a:pPr marL="0" indent="0">
+              <a:buNone/>
+            </a:pPr>
+            <a:endParaRPr lang="fr-FR" sz="1400" dirty="0">
+              <a:latin typeface="Consolas" panose="020B0609020204030204" pitchFamily="49" charset="0"/>
+              <a:sym typeface="Wingdings" panose="05000000000000000000" pitchFamily="2" charset="2"/>
+            </a:endParaRPr>
+          </a:p>
+          <a:p>
+            <a:pPr marL="0" indent="0">
+              <a:buNone/>
+            </a:pPr>
+            <a:endParaRPr lang="fr-FR" sz="1400" dirty="0">
+              <a:latin typeface="Consolas" panose="020B0609020204030204" pitchFamily="49" charset="0"/>
+              <a:sym typeface="Wingdings" panose="05000000000000000000" pitchFamily="2" charset="2"/>
+            </a:endParaRPr>
+          </a:p>
+          <a:p>
+            <a:pPr>
+              <a:buFont typeface="Wingdings" panose="05000000000000000000" pitchFamily="2" charset="2"/>
+              <a:buChar char="è"/>
+            </a:pPr>
+            <a:endParaRPr lang="fr-FR" sz="1400" dirty="0" smtClean="0">
+              <a:latin typeface="Consolas" panose="020B0609020204030204" pitchFamily="49" charset="0"/>
+              <a:sym typeface="Wingdings" panose="05000000000000000000" pitchFamily="2" charset="2"/>
+            </a:endParaRPr>
           </a:p>
         </p:txBody>
       </p:sp>
@@ -3631,7 +3831,11 @@
             <a:graphicFrameLocks noGrp="1"/>
           </p:cNvGraphicFramePr>
           <p:nvPr>
-            <p:extLst/>
+            <p:extLst>
+              <p:ext uri="{D42A27DB-BD31-4B8C-83A1-F6EECF244321}">
+                <p14:modId xmlns:p14="http://schemas.microsoft.com/office/powerpoint/2010/main" val="1483028764"/>
+              </p:ext>
+            </p:extLst>
           </p:nvPr>
         </p:nvGraphicFramePr>
         <p:xfrm>
@@ -3879,7 +4083,19 @@
                       </a:r>
                       <a:r>
                         <a:rPr lang="fr-FR" baseline="0" dirty="0" smtClean="0"/>
-                        <a:t> </a:t>
+                        <a:t>(</a:t>
+                      </a:r>
+                      <a:r>
+                        <a:rPr lang="fr-FR" baseline="0" dirty="0" err="1" smtClean="0"/>
+                        <a:t>references</a:t>
+                      </a:r>
+                      <a:r>
+                        <a:rPr lang="fr-FR" baseline="0" dirty="0" smtClean="0"/>
+                        <a:t>) =&gt; pointer dans la </a:t>
+                      </a:r>
+                      <a:r>
+                        <a:rPr lang="fr-FR" baseline="0" dirty="0" err="1" smtClean="0"/>
+                        <a:t>memoire</a:t>
                       </a:r>
                       <a:endParaRPr lang="fr-FR" dirty="0"/>
                     </a:p>
@@ -3915,6 +4131,10 @@
                         <a:rPr lang="fr-FR" baseline="0" dirty="0" smtClean="0"/>
                         <a:t> </a:t>
                       </a:r>
+                      <a:r>
+                        <a:rPr lang="fr-FR" baseline="0" dirty="0" smtClean="0"/>
+                        <a:t>,sets</a:t>
+                      </a:r>
                       <a:endParaRPr lang="fr-FR" dirty="0"/>
                     </a:p>
                   </a:txBody>
@@ -3938,7 +4158,15 @@
                       </a:r>
                       <a:r>
                         <a:rPr lang="fr-FR" baseline="0" dirty="0" smtClean="0"/>
-                        <a:t>  ( ES6)</a:t>
+                        <a:t>  </a:t>
+                      </a:r>
+                      <a:r>
+                        <a:rPr lang="fr-FR" baseline="0" dirty="0" smtClean="0"/>
+                        <a:t>(ES6</a:t>
+                      </a:r>
+                      <a:r>
+                        <a:rPr lang="fr-FR" baseline="0" dirty="0" smtClean="0"/>
+                        <a:t>)</a:t>
                       </a:r>
                       <a:endParaRPr lang="fr-FR" dirty="0"/>
                     </a:p>
@@ -4059,7 +4287,12 @@
             <p:ph type="title"/>
           </p:nvPr>
         </p:nvSpPr>
-        <p:spPr/>
+        <p:spPr>
+          <a:xfrm>
+            <a:off x="838200" y="365125"/>
+            <a:ext cx="10515600" cy="1067749"/>
+          </a:xfrm>
+        </p:spPr>
         <p:txBody>
           <a:bodyPr/>
           <a:lstStyle/>
@@ -4487,7 +4720,7 @@
         <p:spPr>
           <a:xfrm>
             <a:off x="1164771" y="1506022"/>
-            <a:ext cx="8533233" cy="923330"/>
+            <a:ext cx="10860474" cy="1754326"/>
           </a:xfrm>
           <a:prstGeom prst="rect">
             <a:avLst/>
@@ -4510,9 +4743,39 @@
               </a:rPr>
               <a:t> accès par référence </a:t>
             </a:r>
+            <a:r>
+              <a:rPr lang="fr-FR" dirty="0" smtClean="0">
+                <a:sym typeface="Wingdings" panose="05000000000000000000" pitchFamily="2" charset="2"/>
+              </a:rPr>
+              <a:t> (en utilisant un pointer)</a:t>
+            </a:r>
             <a:endParaRPr lang="fr-FR" dirty="0" smtClean="0"/>
           </a:p>
           <a:p>
+            <a:r>
+              <a:rPr lang="fr-FR" dirty="0" smtClean="0"/>
+              <a:t>Var x = new Object(); (</a:t>
+            </a:r>
+            <a:r>
+              <a:rPr lang="fr-FR" dirty="0" err="1" smtClean="0"/>
+              <a:t>wraping</a:t>
+            </a:r>
+            <a:r>
+              <a:rPr lang="fr-FR" dirty="0" smtClean="0"/>
+              <a:t> = </a:t>
+            </a:r>
+            <a:r>
+              <a:rPr lang="fr-FR" dirty="0" err="1" smtClean="0"/>
+              <a:t>refere</a:t>
+            </a:r>
+            <a:r>
+              <a:rPr lang="fr-FR" dirty="0" err="1" smtClean="0"/>
+              <a:t>nce</a:t>
+            </a:r>
+            <a:r>
+              <a:rPr lang="fr-FR" dirty="0" smtClean="0"/>
+              <a:t>)</a:t>
+            </a:r>
             <a:endParaRPr lang="fr-FR" dirty="0"/>
           </a:p>
           <a:p>
@@ -4530,6 +4793,18 @@
               <a:rPr lang="fr-FR" dirty="0" smtClean="0"/>
               <a:t> </a:t>
             </a:r>
+            <a:r>
+              <a:rPr lang="fr-FR" dirty="0" smtClean="0"/>
+              <a:t> </a:t>
+            </a:r>
+          </a:p>
+          <a:p>
+            <a:endParaRPr lang="fr-FR" dirty="0"/>
+          </a:p>
+          <a:p>
+            <a:endParaRPr lang="fr-FR" dirty="0" smtClean="0"/>
+          </a:p>
+          <a:p>
             <a:endParaRPr lang="fr-FR" dirty="0"/>
           </a:p>
         </p:txBody>
@@ -4641,6 +4916,13 @@
   <p:clrMapOvr>
     <a:masterClrMapping/>
   </p:clrMapOvr>
+  <p:timing>
+    <p:tnLst>
+      <p:par>
+        <p:cTn id="1" dur="indefinite" restart="never" nodeType="tmRoot"/>
+      </p:par>
+    </p:tnLst>
+  </p:timing>
 </p:sld>
 </file>
 
